--- a/Dijkstra.pptx
+++ b/Dijkstra.pptx
@@ -14794,7 +14794,7 @@
             </a:pPr>
             <a:r>
               <a:rPr b="1" lang="en" sz="1800"/>
-              <a:t>A-Star</a:t>
+              <a:t>Dijkstra</a:t>
             </a:r>
             <a:r>
               <a:rPr lang="en" sz="1800"/>
